--- a/그룹웨어 ppt.pptx
+++ b/그룹웨어 ppt.pptx
@@ -3862,7 +3862,27 @@
           <a:bodyPr/>
           <a:lstStyle/>
           <a:p>
-            <a:endParaRPr lang="ko-KR" altLang="en-US"/>
+            <a:r>
+              <a:rPr lang="en-US" altLang="ko-KR" dirty="0" smtClean="0">
+                <a:latin typeface="나눔명조 ExtraBold" pitchFamily="18" charset="-127"/>
+                <a:ea typeface="나눔명조 ExtraBold" pitchFamily="18" charset="-127"/>
+                <a:cs typeface="조선일보명조" pitchFamily="18" charset="-127"/>
+              </a:rPr>
+              <a:t>MX</a:t>
+            </a:r>
+            <a:r>
+              <a:rPr lang="ko-KR" altLang="en-US" dirty="0" smtClean="0">
+                <a:latin typeface="나눔명조 ExtraBold" pitchFamily="18" charset="-127"/>
+                <a:ea typeface="나눔명조 ExtraBold" pitchFamily="18" charset="-127"/>
+                <a:cs typeface="조선일보명조" pitchFamily="18" charset="-127"/>
+              </a:rPr>
+              <a:t>그룹웨어 프로세스</a:t>
+            </a:r>
+            <a:endParaRPr lang="ko-KR" altLang="en-US" dirty="0">
+              <a:latin typeface="나눔명조 ExtraBold" pitchFamily="18" charset="-127"/>
+              <a:ea typeface="나눔명조 ExtraBold" pitchFamily="18" charset="-127"/>
+              <a:cs typeface="조선일보명조" pitchFamily="18" charset="-127"/>
+            </a:endParaRPr>
           </a:p>
         </p:txBody>
       </p:sp>
@@ -3881,7 +3901,20 @@
           <a:bodyPr/>
           <a:lstStyle/>
           <a:p>
-            <a:endParaRPr lang="ko-KR" altLang="en-US"/>
+            <a:r>
+              <a:rPr lang="ko-KR" altLang="en-US" dirty="0" smtClean="0">
+                <a:latin typeface="나눔명조 ExtraBold" pitchFamily="18" charset="-127"/>
+                <a:ea typeface="나눔명조 ExtraBold" pitchFamily="18" charset="-127"/>
+              </a:rPr>
+              <a:t>신윤</a:t>
+            </a:r>
+            <a:r>
+              <a:rPr lang="ko-KR" altLang="en-US" dirty="0">
+                <a:latin typeface="나눔명조 ExtraBold" pitchFamily="18" charset="-127"/>
+                <a:ea typeface="나눔명조 ExtraBold" pitchFamily="18" charset="-127"/>
+              </a:rPr>
+              <a:t>정</a:t>
+            </a:r>
           </a:p>
         </p:txBody>
       </p:sp>
@@ -4307,11 +4340,6 @@
               </a:rPr>
               <a:t>재</a:t>
             </a:r>
-            <a:endParaRPr lang="ko-KR" altLang="en-US" b="1" dirty="0">
-              <a:latin typeface="나눔명조 ExtraBold" pitchFamily="18" charset="-127"/>
-              <a:ea typeface="나눔명조 ExtraBold" pitchFamily="18" charset="-127"/>
-              <a:cs typeface="조선일보명조" pitchFamily="18" charset="-127"/>
-            </a:endParaRPr>
           </a:p>
         </p:txBody>
       </p:sp>
